--- a/Daily Agendas/Day11.3_OsConceptMap5.pptx
+++ b/Daily Agendas/Day11.3_OsConceptMap5.pptx
@@ -303,7 +303,7 @@
             <a:fld id="{1D8BD707-D9CF-40AE-B4C6-C98DA3205C09}" type="datetimeFigureOut">
               <a:rPr lang="en-US" smtClean="0"/>
               <a:pPr/>
-              <a:t>11/11/2018</a:t>
+              <a:t>11/14/2018</a:t>
             </a:fld>
             <a:endParaRPr lang="en-US"/>
           </a:p>
@@ -468,7 +468,7 @@
             <a:fld id="{1D8BD707-D9CF-40AE-B4C6-C98DA3205C09}" type="datetimeFigureOut">
               <a:rPr lang="en-US" smtClean="0"/>
               <a:pPr/>
-              <a:t>11/11/2018</a:t>
+              <a:t>11/14/2018</a:t>
             </a:fld>
             <a:endParaRPr lang="en-US"/>
           </a:p>
@@ -643,7 +643,7 @@
             <a:fld id="{1D8BD707-D9CF-40AE-B4C6-C98DA3205C09}" type="datetimeFigureOut">
               <a:rPr lang="en-US" smtClean="0"/>
               <a:pPr/>
-              <a:t>11/11/2018</a:t>
+              <a:t>11/14/2018</a:t>
             </a:fld>
             <a:endParaRPr lang="en-US"/>
           </a:p>
@@ -808,7 +808,7 @@
             <a:fld id="{1D8BD707-D9CF-40AE-B4C6-C98DA3205C09}" type="datetimeFigureOut">
               <a:rPr lang="en-US" smtClean="0"/>
               <a:pPr/>
-              <a:t>11/11/2018</a:t>
+              <a:t>11/14/2018</a:t>
             </a:fld>
             <a:endParaRPr lang="en-US"/>
           </a:p>
@@ -1050,7 +1050,7 @@
             <a:fld id="{1D8BD707-D9CF-40AE-B4C6-C98DA3205C09}" type="datetimeFigureOut">
               <a:rPr lang="en-US" smtClean="0"/>
               <a:pPr/>
-              <a:t>11/11/2018</a:t>
+              <a:t>11/14/2018</a:t>
             </a:fld>
             <a:endParaRPr lang="en-US"/>
           </a:p>
@@ -1332,7 +1332,7 @@
             <a:fld id="{1D8BD707-D9CF-40AE-B4C6-C98DA3205C09}" type="datetimeFigureOut">
               <a:rPr lang="en-US" smtClean="0"/>
               <a:pPr/>
-              <a:t>11/11/2018</a:t>
+              <a:t>11/14/2018</a:t>
             </a:fld>
             <a:endParaRPr lang="en-US"/>
           </a:p>
@@ -1748,7 +1748,7 @@
             <a:fld id="{1D8BD707-D9CF-40AE-B4C6-C98DA3205C09}" type="datetimeFigureOut">
               <a:rPr lang="en-US" smtClean="0"/>
               <a:pPr/>
-              <a:t>11/11/2018</a:t>
+              <a:t>11/14/2018</a:t>
             </a:fld>
             <a:endParaRPr lang="en-US"/>
           </a:p>
@@ -1862,7 +1862,7 @@
             <a:fld id="{1D8BD707-D9CF-40AE-B4C6-C98DA3205C09}" type="datetimeFigureOut">
               <a:rPr lang="en-US" smtClean="0"/>
               <a:pPr/>
-              <a:t>11/11/2018</a:t>
+              <a:t>11/14/2018</a:t>
             </a:fld>
             <a:endParaRPr lang="en-US"/>
           </a:p>
@@ -1954,7 +1954,7 @@
             <a:fld id="{1D8BD707-D9CF-40AE-B4C6-C98DA3205C09}" type="datetimeFigureOut">
               <a:rPr lang="en-US" smtClean="0"/>
               <a:pPr/>
-              <a:t>11/11/2018</a:t>
+              <a:t>11/14/2018</a:t>
             </a:fld>
             <a:endParaRPr lang="en-US"/>
           </a:p>
@@ -2226,7 +2226,7 @@
             <a:fld id="{1D8BD707-D9CF-40AE-B4C6-C98DA3205C09}" type="datetimeFigureOut">
               <a:rPr lang="en-US" smtClean="0"/>
               <a:pPr/>
-              <a:t>11/11/2018</a:t>
+              <a:t>11/14/2018</a:t>
             </a:fld>
             <a:endParaRPr lang="en-US"/>
           </a:p>
@@ -2475,7 +2475,7 @@
             <a:fld id="{1D8BD707-D9CF-40AE-B4C6-C98DA3205C09}" type="datetimeFigureOut">
               <a:rPr lang="en-US" smtClean="0"/>
               <a:pPr/>
-              <a:t>11/11/2018</a:t>
+              <a:t>11/14/2018</a:t>
             </a:fld>
             <a:endParaRPr lang="en-US"/>
           </a:p>
@@ -2683,7 +2683,7 @@
             <a:fld id="{1D8BD707-D9CF-40AE-B4C6-C98DA3205C09}" type="datetimeFigureOut">
               <a:rPr lang="en-US" smtClean="0"/>
               <a:pPr/>
-              <a:t>11/11/2018</a:t>
+              <a:t>11/14/2018</a:t>
             </a:fld>
             <a:endParaRPr lang="en-US"/>
           </a:p>
@@ -3120,28 +3120,32 @@
           <a:p>
             <a:pPr lvl="2"/>
             <a:r>
+              <a:rPr lang="en-US" dirty="0" smtClean="0"/>
+              <a:t>Finished / Submitted </a:t>
+            </a:r>
+            <a:r>
               <a:rPr lang="en-US" dirty="0"/>
-              <a:t>Finished Yesterday</a:t>
+              <a:t>Yesterday</a:t>
             </a:r>
             <a:endParaRPr lang="en-CA" dirty="0"/>
           </a:p>
           <a:p>
-            <a:pPr lvl="2"/>
-            <a:r>
-              <a:rPr lang="en-US" dirty="0"/>
-              <a:t>Submit repository for feedback</a:t>
-            </a:r>
-            <a:endParaRPr lang="en-CA" dirty="0"/>
-          </a:p>
-          <a:p>
             <a:pPr lvl="1"/>
+            <a:r>
+              <a:rPr lang="en-US" dirty="0" smtClean="0">
+                <a:solidFill>
+                  <a:srgbClr val="FF0000"/>
+                </a:solidFill>
+              </a:rPr>
+              <a:t>Module </a:t>
+            </a:r>
             <a:r>
               <a:rPr lang="en-US" dirty="0">
                 <a:solidFill>
                   <a:srgbClr val="FF0000"/>
                 </a:solidFill>
               </a:rPr>
-              <a:t>Module A.3 </a:t>
+              <a:t>A.3 </a:t>
             </a:r>
             <a:r>
               <a:rPr lang="en-CA" dirty="0">
@@ -3156,8 +3160,24 @@
             <a:pPr lvl="2"/>
             <a:r>
               <a:rPr lang="en-US" dirty="0"/>
-              <a:t>Complete Today (End of Class)</a:t>
-            </a:r>
+              <a:t>Complete Today (End of Class</a:t>
+            </a:r>
+            <a:r>
+              <a:rPr lang="en-US" dirty="0" smtClean="0"/>
+              <a:t>)</a:t>
+            </a:r>
+          </a:p>
+          <a:p>
+            <a:pPr lvl="2"/>
+            <a:r>
+              <a:rPr lang="en-CA" dirty="0" smtClean="0"/>
+              <a:t>Submit </a:t>
+            </a:r>
+            <a:r>
+              <a:rPr lang="en-CA" smtClean="0"/>
+              <a:t>to repository (File or Link)</a:t>
+            </a:r>
+            <a:endParaRPr lang="en-US" dirty="0"/>
           </a:p>
           <a:p>
             <a:pPr lvl="2"/>
